--- a/slides/PasswordStorage.pptx
+++ b/slides/PasswordStorage.pptx
@@ -330,7 +330,7 @@
               <a:pPr>
                 <a:defRPr/>
               </a:pPr>
-              <a:t>15/12/2020</a:t>
+              <a:t>22/12/2020</a:t>
             </a:fld>
             <a:endParaRPr lang="it-IT"/>
           </a:p>
@@ -9194,7 +9194,7 @@
               <a:pPr>
                 <a:defRPr/>
               </a:pPr>
-              <a:t>15/12/2020</a:t>
+              <a:t>22/12/2020</a:t>
             </a:fld>
             <a:endParaRPr lang="it-IT"/>
           </a:p>
@@ -9377,7 +9377,7 @@
               <a:pPr>
                 <a:defRPr/>
               </a:pPr>
-              <a:t>15/12/2020</a:t>
+              <a:t>22/12/2020</a:t>
             </a:fld>
             <a:endParaRPr lang="it-IT"/>
           </a:p>
@@ -9570,7 +9570,7 @@
               <a:pPr>
                 <a:defRPr/>
               </a:pPr>
-              <a:t>15/12/2020</a:t>
+              <a:t>22/12/2020</a:t>
             </a:fld>
             <a:endParaRPr lang="it-IT"/>
           </a:p>
@@ -9753,7 +9753,7 @@
               <a:pPr>
                 <a:defRPr/>
               </a:pPr>
-              <a:t>15/12/2020</a:t>
+              <a:t>22/12/2020</a:t>
             </a:fld>
             <a:endParaRPr lang="it-IT"/>
           </a:p>
@@ -10013,7 +10013,7 @@
               <a:pPr>
                 <a:defRPr/>
               </a:pPr>
-              <a:t>15/12/2020</a:t>
+              <a:t>22/12/2020</a:t>
             </a:fld>
             <a:endParaRPr lang="it-IT"/>
           </a:p>
@@ -10313,7 +10313,7 @@
               <a:pPr>
                 <a:defRPr/>
               </a:pPr>
-              <a:t>15/12/2020</a:t>
+              <a:t>22/12/2020</a:t>
             </a:fld>
             <a:endParaRPr lang="it-IT"/>
           </a:p>
@@ -10747,7 +10747,7 @@
               <a:pPr>
                 <a:defRPr/>
               </a:pPr>
-              <a:t>15/12/2020</a:t>
+              <a:t>22/12/2020</a:t>
             </a:fld>
             <a:endParaRPr lang="it-IT"/>
           </a:p>
@@ -10879,7 +10879,7 @@
               <a:pPr>
                 <a:defRPr/>
               </a:pPr>
-              <a:t>15/12/2020</a:t>
+              <a:t>22/12/2020</a:t>
             </a:fld>
             <a:endParaRPr lang="it-IT"/>
           </a:p>
@@ -10989,7 +10989,7 @@
               <a:pPr>
                 <a:defRPr/>
               </a:pPr>
-              <a:t>15/12/2020</a:t>
+              <a:t>22/12/2020</a:t>
             </a:fld>
             <a:endParaRPr lang="it-IT"/>
           </a:p>
@@ -11279,7 +11279,7 @@
               <a:pPr>
                 <a:defRPr/>
               </a:pPr>
-              <a:t>15/12/2020</a:t>
+              <a:t>22/12/2020</a:t>
             </a:fld>
             <a:endParaRPr lang="it-IT"/>
           </a:p>
@@ -11546,7 +11546,7 @@
               <a:pPr>
                 <a:defRPr/>
               </a:pPr>
-              <a:t>15/12/2020</a:t>
+              <a:t>22/12/2020</a:t>
             </a:fld>
             <a:endParaRPr lang="it-IT"/>
           </a:p>
@@ -11772,7 +11772,7 @@
               <a:pPr>
                 <a:defRPr/>
               </a:pPr>
-              <a:t>15/12/2020</a:t>
+              <a:t>22/12/2020</a:t>
             </a:fld>
             <a:endParaRPr lang="it-IT"/>
           </a:p>
@@ -23325,12 +23325,12 @@
           <a:graphicData uri="http://schemas.openxmlformats.org/presentationml/2006/ole">
             <mc:AlternateContent xmlns:mc="http://schemas.openxmlformats.org/markup-compatibility/2006">
               <mc:Choice xmlns:v="urn:schemas-microsoft-com:vml" Requires="v">
-                <p:oleObj spid="_x0000_s1046" name="Clip" r:id="rId4" imgW="1307263" imgH="1084139" progId="">
+                <p:oleObj name="Clip" r:id="rId3" imgW="1307263" imgH="1084139" progId="">
                   <p:embed/>
                 </p:oleObj>
               </mc:Choice>
               <mc:Fallback>
-                <p:oleObj name="Clip" r:id="rId4" imgW="1307263" imgH="1084139" progId="">
+                <p:oleObj name="Clip" r:id="rId3" imgW="1307263" imgH="1084139" progId="">
                   <p:embed/>
                   <p:pic>
                     <p:nvPicPr>
@@ -23341,7 +23341,7 @@
                       <p:nvPr/>
                     </p:nvPicPr>
                     <p:blipFill>
-                      <a:blip r:embed="rId5">
+                      <a:blip r:embed="rId4">
                         <a:extLst>
                           <a:ext uri="{28A0092B-C50C-407E-A947-70E740481C1C}">
                             <a14:useLocalDpi xmlns:a14="http://schemas.microsoft.com/office/drawing/2010/main" val="0"/>
@@ -43152,18 +43152,53 @@
           </a:p>
           <a:p>
             <a:r>
-              <a:rPr lang="it-IT" dirty="0" err="1"/>
-              <a:t>Kerberos</a:t>
-            </a:r>
-            <a:r>
               <a:rPr lang="it-IT" dirty="0"/>
-              <a:t>: common in the Microsoft </a:t>
+              <a:t>Kerberos: common in the Microsoft </a:t>
             </a:r>
             <a:r>
               <a:rPr lang="it-IT" dirty="0" err="1"/>
               <a:t>ecosystem</a:t>
             </a:r>
             <a:endParaRPr lang="it-IT" dirty="0"/>
+          </a:p>
+          <a:p>
+            <a:r>
+              <a:rPr lang="it-IT" dirty="0" err="1"/>
+              <a:t>IDPs</a:t>
+            </a:r>
+            <a:r>
+              <a:rPr lang="it-IT" dirty="0"/>
+              <a:t> </a:t>
+            </a:r>
+            <a:r>
+              <a:rPr lang="it-IT" dirty="0" err="1"/>
+              <a:t>become</a:t>
+            </a:r>
+            <a:r>
+              <a:rPr lang="it-IT" dirty="0"/>
+              <a:t> </a:t>
+            </a:r>
+            <a:r>
+              <a:rPr lang="it-IT" dirty="0" err="1"/>
+              <a:t>critical</a:t>
+            </a:r>
+            <a:r>
+              <a:rPr lang="it-IT" dirty="0"/>
+              <a:t> </a:t>
+            </a:r>
+            <a:r>
+              <a:rPr lang="it-IT" b="1" dirty="0" err="1"/>
+              <a:t>Unique</a:t>
+            </a:r>
+            <a:r>
+              <a:rPr lang="it-IT" b="1" dirty="0"/>
+              <a:t> Points of </a:t>
+            </a:r>
+            <a:r>
+              <a:rPr lang="it-IT" b="1" dirty="0" err="1"/>
+              <a:t>Failure</a:t>
+            </a:r>
+            <a:endParaRPr lang="it-IT" b="1" dirty="0"/>
           </a:p>
         </p:txBody>
       </p:sp>
